--- a/CoverCDTitlePage/Cover.pptx
+++ b/CoverCDTitlePage/Cover.pptx
@@ -137,6 +137,22 @@
       </a:defRPr>
     </a:lvl9pPr>
   </p:defaultTextStyle>
+  <p:extLst>
+    <p:ext uri="{EFAFB233-063F-42B5-8137-9DF3F51BA10A}">
+      <p15:sldGuideLst xmlns:p15="http://schemas.microsoft.com/office/powerpoint/2012/main">
+        <p15:guide id="1" orient="horz" pos="3368">
+          <p15:clr>
+            <a:srgbClr val="A4A3A4"/>
+          </p15:clr>
+        </p15:guide>
+        <p15:guide id="2" pos="4910">
+          <p15:clr>
+            <a:srgbClr val="A4A3A4"/>
+          </p15:clr>
+        </p15:guide>
+      </p15:sldGuideLst>
+    </p:ext>
+  </p:extLst>
 </p:presentation>
 </file>
 
@@ -249,7 +265,7 @@
               <a:pPr>
                 <a:defRPr/>
               </a:pPr>
-              <a:t>26-05-2013</a:t>
+              <a:t>13/12/2018</a:t>
             </a:fld>
             <a:endParaRPr lang="pt-PT"/>
           </a:p>
@@ -285,7 +301,7 @@
           <a:lstStyle/>
           <a:p>
             <a:pPr lvl="0"/>
-            <a:endParaRPr lang="pt-PT" noProof="0" smtClean="0"/>
+            <a:endParaRPr lang="pt-PT" noProof="0"/>
           </a:p>
         </p:txBody>
       </p:sp>
@@ -316,35 +332,35 @@
           <a:p>
             <a:pPr lvl="0"/>
             <a:r>
-              <a:rPr lang="pt-PT" noProof="0" smtClean="0"/>
+              <a:rPr lang="pt-PT" noProof="0"/>
               <a:t>Clique para editar os estilos</a:t>
             </a:r>
           </a:p>
           <a:p>
             <a:pPr lvl="1"/>
             <a:r>
-              <a:rPr lang="pt-PT" noProof="0" smtClean="0"/>
+              <a:rPr lang="pt-PT" noProof="0"/>
               <a:t>Segundo nível</a:t>
             </a:r>
           </a:p>
           <a:p>
             <a:pPr lvl="2"/>
             <a:r>
-              <a:rPr lang="pt-PT" noProof="0" smtClean="0"/>
+              <a:rPr lang="pt-PT" noProof="0"/>
               <a:t>Terceiro nível</a:t>
             </a:r>
           </a:p>
           <a:p>
             <a:pPr lvl="3"/>
             <a:r>
-              <a:rPr lang="pt-PT" noProof="0" smtClean="0"/>
+              <a:rPr lang="pt-PT" noProof="0"/>
               <a:t>Quarto nível</a:t>
             </a:r>
           </a:p>
           <a:p>
             <a:pPr lvl="4"/>
             <a:r>
-              <a:rPr lang="pt-PT" noProof="0" smtClean="0"/>
+              <a:rPr lang="pt-PT" noProof="0"/>
               <a:t>Quinto nível</a:t>
             </a:r>
           </a:p>
@@ -437,7 +453,7 @@
               <a:pPr>
                 <a:defRPr/>
               </a:pPr>
-              <a:t>‹nº›</a:t>
+              <a:t>‹#›</a:t>
             </a:fld>
             <a:endParaRPr lang="pt-PT"/>
           </a:p>
@@ -609,10 +625,9 @@
           <a:lstStyle/>
           <a:p>
             <a:r>
-              <a:rPr lang="pt-PT" smtClean="0"/>
+              <a:rPr lang="pt-PT"/>
               <a:t>Clique para editar o estilo</a:t>
             </a:r>
-            <a:endParaRPr lang="pt-PT"/>
           </a:p>
         </p:txBody>
       </p:sp>
@@ -728,10 +743,9 @@
           </a:lstStyle>
           <a:p>
             <a:r>
-              <a:rPr lang="pt-PT" smtClean="0"/>
+              <a:rPr lang="pt-PT"/>
               <a:t>Faça clique para editar o estilo</a:t>
             </a:r>
-            <a:endParaRPr lang="pt-PT"/>
           </a:p>
         </p:txBody>
       </p:sp>
@@ -762,7 +776,7 @@
               <a:pPr>
                 <a:defRPr/>
               </a:pPr>
-              <a:t>26-05-2013</a:t>
+              <a:t>13/12/2018</a:t>
             </a:fld>
             <a:endParaRPr lang="pt-PT"/>
           </a:p>
@@ -821,7 +835,7 @@
               <a:pPr>
                 <a:defRPr/>
               </a:pPr>
-              <a:t>‹nº›</a:t>
+              <a:t>‹#›</a:t>
             </a:fld>
             <a:endParaRPr lang="pt-PT"/>
           </a:p>
@@ -868,10 +882,9 @@
           <a:lstStyle/>
           <a:p>
             <a:r>
-              <a:rPr lang="pt-PT" smtClean="0"/>
+              <a:rPr lang="pt-PT"/>
               <a:t>Clique para editar o estilo</a:t>
             </a:r>
-            <a:endParaRPr lang="pt-PT"/>
           </a:p>
         </p:txBody>
       </p:sp>
@@ -892,38 +905,37 @@
           <a:p>
             <a:pPr lvl="0"/>
             <a:r>
-              <a:rPr lang="pt-PT" smtClean="0"/>
+              <a:rPr lang="pt-PT"/>
               <a:t>Clique para editar os estilos</a:t>
             </a:r>
           </a:p>
           <a:p>
             <a:pPr lvl="1"/>
             <a:r>
-              <a:rPr lang="pt-PT" smtClean="0"/>
+              <a:rPr lang="pt-PT"/>
               <a:t>Segundo nível</a:t>
             </a:r>
           </a:p>
           <a:p>
             <a:pPr lvl="2"/>
             <a:r>
-              <a:rPr lang="pt-PT" smtClean="0"/>
+              <a:rPr lang="pt-PT"/>
               <a:t>Terceiro nível</a:t>
             </a:r>
           </a:p>
           <a:p>
             <a:pPr lvl="3"/>
             <a:r>
-              <a:rPr lang="pt-PT" smtClean="0"/>
+              <a:rPr lang="pt-PT"/>
               <a:t>Quarto nível</a:t>
             </a:r>
           </a:p>
           <a:p>
             <a:pPr lvl="4"/>
             <a:r>
-              <a:rPr lang="pt-PT" smtClean="0"/>
+              <a:rPr lang="pt-PT"/>
               <a:t>Quinto nível</a:t>
             </a:r>
-            <a:endParaRPr lang="pt-PT"/>
           </a:p>
         </p:txBody>
       </p:sp>
@@ -954,7 +966,7 @@
               <a:pPr>
                 <a:defRPr/>
               </a:pPr>
-              <a:t>26-05-2013</a:t>
+              <a:t>13/12/2018</a:t>
             </a:fld>
             <a:endParaRPr lang="pt-PT"/>
           </a:p>
@@ -1013,7 +1025,7 @@
               <a:pPr>
                 <a:defRPr/>
               </a:pPr>
-              <a:t>‹nº›</a:t>
+              <a:t>‹#›</a:t>
             </a:fld>
             <a:endParaRPr lang="pt-PT"/>
           </a:p>
@@ -1065,10 +1077,9 @@
           <a:lstStyle/>
           <a:p>
             <a:r>
-              <a:rPr lang="pt-PT" smtClean="0"/>
+              <a:rPr lang="pt-PT"/>
               <a:t>Clique para editar o estilo</a:t>
             </a:r>
-            <a:endParaRPr lang="pt-PT"/>
           </a:p>
         </p:txBody>
       </p:sp>
@@ -1094,38 +1105,37 @@
           <a:p>
             <a:pPr lvl="0"/>
             <a:r>
-              <a:rPr lang="pt-PT" smtClean="0"/>
+              <a:rPr lang="pt-PT"/>
               <a:t>Clique para editar os estilos</a:t>
             </a:r>
           </a:p>
           <a:p>
             <a:pPr lvl="1"/>
             <a:r>
-              <a:rPr lang="pt-PT" smtClean="0"/>
+              <a:rPr lang="pt-PT"/>
               <a:t>Segundo nível</a:t>
             </a:r>
           </a:p>
           <a:p>
             <a:pPr lvl="2"/>
             <a:r>
-              <a:rPr lang="pt-PT" smtClean="0"/>
+              <a:rPr lang="pt-PT"/>
               <a:t>Terceiro nível</a:t>
             </a:r>
           </a:p>
           <a:p>
             <a:pPr lvl="3"/>
             <a:r>
-              <a:rPr lang="pt-PT" smtClean="0"/>
+              <a:rPr lang="pt-PT"/>
               <a:t>Quarto nível</a:t>
             </a:r>
           </a:p>
           <a:p>
             <a:pPr lvl="4"/>
             <a:r>
-              <a:rPr lang="pt-PT" smtClean="0"/>
+              <a:rPr lang="pt-PT"/>
               <a:t>Quinto nível</a:t>
             </a:r>
-            <a:endParaRPr lang="pt-PT"/>
           </a:p>
         </p:txBody>
       </p:sp>
@@ -1156,7 +1166,7 @@
               <a:pPr>
                 <a:defRPr/>
               </a:pPr>
-              <a:t>26-05-2013</a:t>
+              <a:t>13/12/2018</a:t>
             </a:fld>
             <a:endParaRPr lang="pt-PT"/>
           </a:p>
@@ -1215,7 +1225,7 @@
               <a:pPr>
                 <a:defRPr/>
               </a:pPr>
-              <a:t>‹nº›</a:t>
+              <a:t>‹#›</a:t>
             </a:fld>
             <a:endParaRPr lang="pt-PT"/>
           </a:p>
@@ -1262,10 +1272,9 @@
           <a:lstStyle/>
           <a:p>
             <a:r>
-              <a:rPr lang="pt-PT" smtClean="0"/>
+              <a:rPr lang="pt-PT"/>
               <a:t>Clique para editar o estilo</a:t>
             </a:r>
-            <a:endParaRPr lang="pt-PT"/>
           </a:p>
         </p:txBody>
       </p:sp>
@@ -1286,38 +1295,37 @@
           <a:p>
             <a:pPr lvl="0"/>
             <a:r>
-              <a:rPr lang="pt-PT" smtClean="0"/>
+              <a:rPr lang="pt-PT"/>
               <a:t>Clique para editar os estilos</a:t>
             </a:r>
           </a:p>
           <a:p>
             <a:pPr lvl="1"/>
             <a:r>
-              <a:rPr lang="pt-PT" smtClean="0"/>
+              <a:rPr lang="pt-PT"/>
               <a:t>Segundo nível</a:t>
             </a:r>
           </a:p>
           <a:p>
             <a:pPr lvl="2"/>
             <a:r>
-              <a:rPr lang="pt-PT" smtClean="0"/>
+              <a:rPr lang="pt-PT"/>
               <a:t>Terceiro nível</a:t>
             </a:r>
           </a:p>
           <a:p>
             <a:pPr lvl="3"/>
             <a:r>
-              <a:rPr lang="pt-PT" smtClean="0"/>
+              <a:rPr lang="pt-PT"/>
               <a:t>Quarto nível</a:t>
             </a:r>
           </a:p>
           <a:p>
             <a:pPr lvl="4"/>
             <a:r>
-              <a:rPr lang="pt-PT" smtClean="0"/>
+              <a:rPr lang="pt-PT"/>
               <a:t>Quinto nível</a:t>
             </a:r>
-            <a:endParaRPr lang="pt-PT"/>
           </a:p>
         </p:txBody>
       </p:sp>
@@ -1348,7 +1356,7 @@
               <a:pPr>
                 <a:defRPr/>
               </a:pPr>
-              <a:t>26-05-2013</a:t>
+              <a:t>13/12/2018</a:t>
             </a:fld>
             <a:endParaRPr lang="pt-PT"/>
           </a:p>
@@ -1407,7 +1415,7 @@
               <a:pPr>
                 <a:defRPr/>
               </a:pPr>
-              <a:t>‹nº›</a:t>
+              <a:t>‹#›</a:t>
             </a:fld>
             <a:endParaRPr lang="pt-PT"/>
           </a:p>
@@ -1463,10 +1471,9 @@
           </a:lstStyle>
           <a:p>
             <a:r>
-              <a:rPr lang="pt-PT" smtClean="0"/>
+              <a:rPr lang="pt-PT"/>
               <a:t>Clique para editar o estilo</a:t>
             </a:r>
-            <a:endParaRPr lang="pt-PT"/>
           </a:p>
         </p:txBody>
       </p:sp>
@@ -1583,7 +1590,7 @@
           <a:p>
             <a:pPr lvl="0"/>
             <a:r>
-              <a:rPr lang="pt-PT" smtClean="0"/>
+              <a:rPr lang="pt-PT"/>
               <a:t>Clique para editar os estilos</a:t>
             </a:r>
           </a:p>
@@ -1616,7 +1623,7 @@
               <a:pPr>
                 <a:defRPr/>
               </a:pPr>
-              <a:t>26-05-2013</a:t>
+              <a:t>13/12/2018</a:t>
             </a:fld>
             <a:endParaRPr lang="pt-PT"/>
           </a:p>
@@ -1675,7 +1682,7 @@
               <a:pPr>
                 <a:defRPr/>
               </a:pPr>
-              <a:t>‹nº›</a:t>
+              <a:t>‹#›</a:t>
             </a:fld>
             <a:endParaRPr lang="pt-PT"/>
           </a:p>
@@ -1722,10 +1729,9 @@
           <a:lstStyle/>
           <a:p>
             <a:r>
-              <a:rPr lang="pt-PT" smtClean="0"/>
+              <a:rPr lang="pt-PT"/>
               <a:t>Clique para editar o estilo</a:t>
             </a:r>
-            <a:endParaRPr lang="pt-PT"/>
           </a:p>
         </p:txBody>
       </p:sp>
@@ -1779,38 +1785,37 @@
           <a:p>
             <a:pPr lvl="0"/>
             <a:r>
-              <a:rPr lang="pt-PT" smtClean="0"/>
+              <a:rPr lang="pt-PT"/>
               <a:t>Clique para editar os estilos</a:t>
             </a:r>
           </a:p>
           <a:p>
             <a:pPr lvl="1"/>
             <a:r>
-              <a:rPr lang="pt-PT" smtClean="0"/>
+              <a:rPr lang="pt-PT"/>
               <a:t>Segundo nível</a:t>
             </a:r>
           </a:p>
           <a:p>
             <a:pPr lvl="2"/>
             <a:r>
-              <a:rPr lang="pt-PT" smtClean="0"/>
+              <a:rPr lang="pt-PT"/>
               <a:t>Terceiro nível</a:t>
             </a:r>
           </a:p>
           <a:p>
             <a:pPr lvl="3"/>
             <a:r>
-              <a:rPr lang="pt-PT" smtClean="0"/>
+              <a:rPr lang="pt-PT"/>
               <a:t>Quarto nível</a:t>
             </a:r>
           </a:p>
           <a:p>
             <a:pPr lvl="4"/>
             <a:r>
-              <a:rPr lang="pt-PT" smtClean="0"/>
+              <a:rPr lang="pt-PT"/>
               <a:t>Quinto nível</a:t>
             </a:r>
-            <a:endParaRPr lang="pt-PT"/>
           </a:p>
         </p:txBody>
       </p:sp>
@@ -1864,38 +1869,37 @@
           <a:p>
             <a:pPr lvl="0"/>
             <a:r>
-              <a:rPr lang="pt-PT" smtClean="0"/>
+              <a:rPr lang="pt-PT"/>
               <a:t>Clique para editar os estilos</a:t>
             </a:r>
           </a:p>
           <a:p>
             <a:pPr lvl="1"/>
             <a:r>
-              <a:rPr lang="pt-PT" smtClean="0"/>
+              <a:rPr lang="pt-PT"/>
               <a:t>Segundo nível</a:t>
             </a:r>
           </a:p>
           <a:p>
             <a:pPr lvl="2"/>
             <a:r>
-              <a:rPr lang="pt-PT" smtClean="0"/>
+              <a:rPr lang="pt-PT"/>
               <a:t>Terceiro nível</a:t>
             </a:r>
           </a:p>
           <a:p>
             <a:pPr lvl="3"/>
             <a:r>
-              <a:rPr lang="pt-PT" smtClean="0"/>
+              <a:rPr lang="pt-PT"/>
               <a:t>Quarto nível</a:t>
             </a:r>
           </a:p>
           <a:p>
             <a:pPr lvl="4"/>
             <a:r>
-              <a:rPr lang="pt-PT" smtClean="0"/>
+              <a:rPr lang="pt-PT"/>
               <a:t>Quinto nível</a:t>
             </a:r>
-            <a:endParaRPr lang="pt-PT"/>
           </a:p>
         </p:txBody>
       </p:sp>
@@ -1926,7 +1930,7 @@
               <a:pPr>
                 <a:defRPr/>
               </a:pPr>
-              <a:t>26-05-2013</a:t>
+              <a:t>13/12/2018</a:t>
             </a:fld>
             <a:endParaRPr lang="pt-PT"/>
           </a:p>
@@ -1985,7 +1989,7 @@
               <a:pPr>
                 <a:defRPr/>
               </a:pPr>
-              <a:t>‹nº›</a:t>
+              <a:t>‹#›</a:t>
             </a:fld>
             <a:endParaRPr lang="pt-PT"/>
           </a:p>
@@ -2041,10 +2045,9 @@
           </a:lstStyle>
           <a:p>
             <a:r>
-              <a:rPr lang="pt-PT" smtClean="0"/>
+              <a:rPr lang="pt-PT"/>
               <a:t>Clique para editar o estilo</a:t>
             </a:r>
-            <a:endParaRPr lang="pt-PT"/>
           </a:p>
         </p:txBody>
       </p:sp>
@@ -2107,7 +2110,7 @@
           <a:p>
             <a:pPr lvl="0"/>
             <a:r>
-              <a:rPr lang="pt-PT" smtClean="0"/>
+              <a:rPr lang="pt-PT"/>
               <a:t>Clique para editar os estilos</a:t>
             </a:r>
           </a:p>
@@ -2163,38 +2166,37 @@
           <a:p>
             <a:pPr lvl="0"/>
             <a:r>
-              <a:rPr lang="pt-PT" smtClean="0"/>
+              <a:rPr lang="pt-PT"/>
               <a:t>Clique para editar os estilos</a:t>
             </a:r>
           </a:p>
           <a:p>
             <a:pPr lvl="1"/>
             <a:r>
-              <a:rPr lang="pt-PT" smtClean="0"/>
+              <a:rPr lang="pt-PT"/>
               <a:t>Segundo nível</a:t>
             </a:r>
           </a:p>
           <a:p>
             <a:pPr lvl="2"/>
             <a:r>
-              <a:rPr lang="pt-PT" smtClean="0"/>
+              <a:rPr lang="pt-PT"/>
               <a:t>Terceiro nível</a:t>
             </a:r>
           </a:p>
           <a:p>
             <a:pPr lvl="3"/>
             <a:r>
-              <a:rPr lang="pt-PT" smtClean="0"/>
+              <a:rPr lang="pt-PT"/>
               <a:t>Quarto nível</a:t>
             </a:r>
           </a:p>
           <a:p>
             <a:pPr lvl="4"/>
             <a:r>
-              <a:rPr lang="pt-PT" smtClean="0"/>
+              <a:rPr lang="pt-PT"/>
               <a:t>Quinto nível</a:t>
             </a:r>
-            <a:endParaRPr lang="pt-PT"/>
           </a:p>
         </p:txBody>
       </p:sp>
@@ -2257,7 +2259,7 @@
           <a:p>
             <a:pPr lvl="0"/>
             <a:r>
-              <a:rPr lang="pt-PT" smtClean="0"/>
+              <a:rPr lang="pt-PT"/>
               <a:t>Clique para editar os estilos</a:t>
             </a:r>
           </a:p>
@@ -2313,38 +2315,37 @@
           <a:p>
             <a:pPr lvl="0"/>
             <a:r>
-              <a:rPr lang="pt-PT" smtClean="0"/>
+              <a:rPr lang="pt-PT"/>
               <a:t>Clique para editar os estilos</a:t>
             </a:r>
           </a:p>
           <a:p>
             <a:pPr lvl="1"/>
             <a:r>
-              <a:rPr lang="pt-PT" smtClean="0"/>
+              <a:rPr lang="pt-PT"/>
               <a:t>Segundo nível</a:t>
             </a:r>
           </a:p>
           <a:p>
             <a:pPr lvl="2"/>
             <a:r>
-              <a:rPr lang="pt-PT" smtClean="0"/>
+              <a:rPr lang="pt-PT"/>
               <a:t>Terceiro nível</a:t>
             </a:r>
           </a:p>
           <a:p>
             <a:pPr lvl="3"/>
             <a:r>
-              <a:rPr lang="pt-PT" smtClean="0"/>
+              <a:rPr lang="pt-PT"/>
               <a:t>Quarto nível</a:t>
             </a:r>
           </a:p>
           <a:p>
             <a:pPr lvl="4"/>
             <a:r>
-              <a:rPr lang="pt-PT" smtClean="0"/>
+              <a:rPr lang="pt-PT"/>
               <a:t>Quinto nível</a:t>
             </a:r>
-            <a:endParaRPr lang="pt-PT"/>
           </a:p>
         </p:txBody>
       </p:sp>
@@ -2375,7 +2376,7 @@
               <a:pPr>
                 <a:defRPr/>
               </a:pPr>
-              <a:t>26-05-2013</a:t>
+              <a:t>13/12/2018</a:t>
             </a:fld>
             <a:endParaRPr lang="pt-PT"/>
           </a:p>
@@ -2434,7 +2435,7 @@
               <a:pPr>
                 <a:defRPr/>
               </a:pPr>
-              <a:t>‹nº›</a:t>
+              <a:t>‹#›</a:t>
             </a:fld>
             <a:endParaRPr lang="pt-PT"/>
           </a:p>
@@ -2481,10 +2482,9 @@
           <a:lstStyle/>
           <a:p>
             <a:r>
-              <a:rPr lang="pt-PT" smtClean="0"/>
+              <a:rPr lang="pt-PT"/>
               <a:t>Clique para editar o estilo</a:t>
             </a:r>
-            <a:endParaRPr lang="pt-PT"/>
           </a:p>
         </p:txBody>
       </p:sp>
@@ -2515,7 +2515,7 @@
               <a:pPr>
                 <a:defRPr/>
               </a:pPr>
-              <a:t>26-05-2013</a:t>
+              <a:t>13/12/2018</a:t>
             </a:fld>
             <a:endParaRPr lang="pt-PT"/>
           </a:p>
@@ -2574,7 +2574,7 @@
               <a:pPr>
                 <a:defRPr/>
               </a:pPr>
-              <a:t>‹nº›</a:t>
+              <a:t>‹#›</a:t>
             </a:fld>
             <a:endParaRPr lang="pt-PT"/>
           </a:p>
@@ -2632,7 +2632,7 @@
               <a:pPr>
                 <a:defRPr/>
               </a:pPr>
-              <a:t>26-05-2013</a:t>
+              <a:t>13/12/2018</a:t>
             </a:fld>
             <a:endParaRPr lang="pt-PT"/>
           </a:p>
@@ -2691,7 +2691,7 @@
               <a:pPr>
                 <a:defRPr/>
               </a:pPr>
-              <a:t>‹nº›</a:t>
+              <a:t>‹#›</a:t>
             </a:fld>
             <a:endParaRPr lang="pt-PT"/>
           </a:p>
@@ -2747,10 +2747,9 @@
           </a:lstStyle>
           <a:p>
             <a:r>
-              <a:rPr lang="pt-PT" smtClean="0"/>
+              <a:rPr lang="pt-PT"/>
               <a:t>Clique para editar o estilo</a:t>
             </a:r>
-            <a:endParaRPr lang="pt-PT"/>
           </a:p>
         </p:txBody>
       </p:sp>
@@ -2804,38 +2803,37 @@
           <a:p>
             <a:pPr lvl="0"/>
             <a:r>
-              <a:rPr lang="pt-PT" smtClean="0"/>
+              <a:rPr lang="pt-PT"/>
               <a:t>Clique para editar os estilos</a:t>
             </a:r>
           </a:p>
           <a:p>
             <a:pPr lvl="1"/>
             <a:r>
-              <a:rPr lang="pt-PT" smtClean="0"/>
+              <a:rPr lang="pt-PT"/>
               <a:t>Segundo nível</a:t>
             </a:r>
           </a:p>
           <a:p>
             <a:pPr lvl="2"/>
             <a:r>
-              <a:rPr lang="pt-PT" smtClean="0"/>
+              <a:rPr lang="pt-PT"/>
               <a:t>Terceiro nível</a:t>
             </a:r>
           </a:p>
           <a:p>
             <a:pPr lvl="3"/>
             <a:r>
-              <a:rPr lang="pt-PT" smtClean="0"/>
+              <a:rPr lang="pt-PT"/>
               <a:t>Quarto nível</a:t>
             </a:r>
           </a:p>
           <a:p>
             <a:pPr lvl="4"/>
             <a:r>
-              <a:rPr lang="pt-PT" smtClean="0"/>
+              <a:rPr lang="pt-PT"/>
               <a:t>Quinto nível</a:t>
             </a:r>
-            <a:endParaRPr lang="pt-PT"/>
           </a:p>
         </p:txBody>
       </p:sp>
@@ -2898,7 +2896,7 @@
           <a:p>
             <a:pPr lvl="0"/>
             <a:r>
-              <a:rPr lang="pt-PT" smtClean="0"/>
+              <a:rPr lang="pt-PT"/>
               <a:t>Clique para editar os estilos</a:t>
             </a:r>
           </a:p>
@@ -2931,7 +2929,7 @@
               <a:pPr>
                 <a:defRPr/>
               </a:pPr>
-              <a:t>26-05-2013</a:t>
+              <a:t>13/12/2018</a:t>
             </a:fld>
             <a:endParaRPr lang="pt-PT"/>
           </a:p>
@@ -2990,7 +2988,7 @@
               <a:pPr>
                 <a:defRPr/>
               </a:pPr>
-              <a:t>‹nº›</a:t>
+              <a:t>‹#›</a:t>
             </a:fld>
             <a:endParaRPr lang="pt-PT"/>
           </a:p>
@@ -3046,10 +3044,9 @@
           </a:lstStyle>
           <a:p>
             <a:r>
-              <a:rPr lang="pt-PT" smtClean="0"/>
+              <a:rPr lang="pt-PT"/>
               <a:t>Clique para editar o estilo</a:t>
             </a:r>
-            <a:endParaRPr lang="pt-PT"/>
           </a:p>
         </p:txBody>
       </p:sp>
@@ -3114,7 +3111,7 @@
           <a:p>
             <a:pPr lvl="0"/>
             <a:r>
-              <a:rPr lang="pt-PT" noProof="0" smtClean="0"/>
+              <a:rPr lang="pt-PT" noProof="0"/>
               <a:t>Clique no ícone para adicionar uma imagem</a:t>
             </a:r>
           </a:p>
@@ -3179,7 +3176,7 @@
           <a:p>
             <a:pPr lvl="0"/>
             <a:r>
-              <a:rPr lang="pt-PT" smtClean="0"/>
+              <a:rPr lang="pt-PT"/>
               <a:t>Clique para editar os estilos</a:t>
             </a:r>
           </a:p>
@@ -3212,7 +3209,7 @@
               <a:pPr>
                 <a:defRPr/>
               </a:pPr>
-              <a:t>26-05-2013</a:t>
+              <a:t>13/12/2018</a:t>
             </a:fld>
             <a:endParaRPr lang="pt-PT"/>
           </a:p>
@@ -3271,7 +3268,7 @@
               <a:pPr>
                 <a:defRPr/>
               </a:pPr>
-              <a:t>‹nº›</a:t>
+              <a:t>‹#›</a:t>
             </a:fld>
             <a:endParaRPr lang="pt-PT"/>
           </a:p>
@@ -3343,7 +3340,7 @@
           <a:p>
             <a:pPr lvl="0"/>
             <a:r>
-              <a:rPr lang="pt-PT" smtClean="0"/>
+              <a:rPr lang="pt-PT"/>
               <a:t>Clique para editar o estilo</a:t>
             </a:r>
           </a:p>
@@ -3385,35 +3382,35 @@
           <a:p>
             <a:pPr lvl="0"/>
             <a:r>
-              <a:rPr lang="pt-PT" smtClean="0"/>
+              <a:rPr lang="pt-PT"/>
               <a:t>Clique para editar os estilos</a:t>
             </a:r>
           </a:p>
           <a:p>
             <a:pPr lvl="1"/>
             <a:r>
-              <a:rPr lang="pt-PT" smtClean="0"/>
+              <a:rPr lang="pt-PT"/>
               <a:t>Segundo nível</a:t>
             </a:r>
           </a:p>
           <a:p>
             <a:pPr lvl="2"/>
             <a:r>
-              <a:rPr lang="pt-PT" smtClean="0"/>
+              <a:rPr lang="pt-PT"/>
               <a:t>Terceiro nível</a:t>
             </a:r>
           </a:p>
           <a:p>
             <a:pPr lvl="3"/>
             <a:r>
-              <a:rPr lang="pt-PT" smtClean="0"/>
+              <a:rPr lang="pt-PT"/>
               <a:t>Quarto nível</a:t>
             </a:r>
           </a:p>
           <a:p>
             <a:pPr lvl="4"/>
             <a:r>
-              <a:rPr lang="pt-PT" smtClean="0"/>
+              <a:rPr lang="pt-PT"/>
               <a:t>Quinto nível</a:t>
             </a:r>
           </a:p>
@@ -3468,7 +3465,7 @@
               <a:pPr>
                 <a:defRPr/>
               </a:pPr>
-              <a:t>26-05-2013</a:t>
+              <a:t>13/12/2018</a:t>
             </a:fld>
             <a:endParaRPr lang="pt-PT"/>
           </a:p>
@@ -3571,7 +3568,7 @@
               <a:pPr>
                 <a:defRPr/>
               </a:pPr>
-              <a:t>‹nº›</a:t>
+              <a:t>‹#›</a:t>
             </a:fld>
             <a:endParaRPr lang="pt-PT"/>
           </a:p>
@@ -4089,118 +4086,76 @@
           <a:lstStyle/>
           <a:p>
             <a:r>
-              <a:rPr lang="pt-PT" sz="4000" b="1" dirty="0" smtClean="0"/>
-              <a:t>Insira o título da </a:t>
-            </a:r>
-          </a:p>
-          <a:p>
-            <a:r>
-              <a:rPr lang="pt-PT" sz="4000" b="1" dirty="0" smtClean="0"/>
-              <a:t>tese, letra </a:t>
-            </a:r>
-            <a:r>
-              <a:rPr lang="pt-PT" sz="4000" b="1" dirty="0" err="1" smtClean="0"/>
-              <a:t>Arial</a:t>
-            </a:r>
-            <a:r>
-              <a:rPr lang="pt-PT" sz="4000" b="1" dirty="0" smtClean="0"/>
+              <a:rPr lang="pt-PT" sz="4000" b="1" dirty="0"/>
+              <a:t>Obstacle</a:t>
+            </a:r>
+          </a:p>
+          <a:p>
+            <a:r>
+              <a:rPr lang="pt-PT" sz="4000" b="1" dirty="0"/>
+              <a:t>Avoidance</a:t>
+            </a:r>
+          </a:p>
+          <a:p>
+            <a:r>
+              <a:rPr lang="pt-PT" sz="4000" b="1" dirty="0"/>
+              <a:t>Framework</a:t>
+            </a:r>
+          </a:p>
+          <a:p>
+            <a:r>
+              <a:rPr lang="pt-PT" sz="4000" b="1" dirty="0"/>
               <a:t> </a:t>
             </a:r>
           </a:p>
           <a:p>
             <a:r>
-              <a:rPr lang="pt-PT" sz="4000" b="1" dirty="0" smtClean="0"/>
-              <a:t>Bold, tamanho </a:t>
-            </a:r>
-          </a:p>
-          <a:p>
-            <a:r>
-              <a:rPr lang="pt-PT" sz="4000" b="1" dirty="0" smtClean="0"/>
-              <a:t>ajustado a caixa </a:t>
-            </a:r>
-          </a:p>
-          <a:p>
-            <a:r>
-              <a:rPr lang="pt-PT" sz="4000" b="1" dirty="0" smtClean="0"/>
-              <a:t>de texto 12x12 </a:t>
-            </a:r>
-          </a:p>
-          <a:p>
-            <a:r>
-              <a:rPr lang="pt-PT" sz="4000" b="1" dirty="0" smtClean="0"/>
-              <a:t>cm, justificado </a:t>
-            </a:r>
-          </a:p>
-          <a:p>
-            <a:r>
-              <a:rPr lang="pt-PT" sz="4000" b="1" dirty="0" smtClean="0"/>
-              <a:t>à esquerda</a:t>
-            </a:r>
-            <a:endParaRPr lang="pt-PT" sz="1400" dirty="0" smtClean="0"/>
-          </a:p>
-          <a:p>
-            <a:endParaRPr lang="pt-PT" sz="1200" dirty="0" smtClean="0"/>
-          </a:p>
-          <a:p>
-            <a:r>
-              <a:rPr lang="pt-PT" sz="1800" dirty="0" smtClean="0"/>
-              <a:t>Nome </a:t>
-            </a:r>
+              <a:rPr lang="pt-PT" sz="4000" b="1" dirty="0"/>
+              <a:t>based on</a:t>
+            </a:r>
+          </a:p>
+          <a:p>
+            <a:endParaRPr lang="pt-PT" sz="4000" b="1" dirty="0"/>
+          </a:p>
+          <a:p>
+            <a:r>
+              <a:rPr lang="pt-PT" sz="4000" b="1" dirty="0"/>
+              <a:t>Reach Sets</a:t>
+            </a:r>
+            <a:endParaRPr lang="pt-PT" sz="1400" dirty="0"/>
+          </a:p>
+          <a:p>
+            <a:endParaRPr lang="pt-PT" sz="1200" dirty="0"/>
+          </a:p>
+          <a:p>
             <a:r>
               <a:rPr lang="pt-PT" sz="1800" dirty="0"/>
-              <a:t>do autor, </a:t>
-            </a:r>
-            <a:r>
-              <a:rPr lang="pt-PT" sz="1800" dirty="0" err="1"/>
-              <a:t>Arial</a:t>
-            </a:r>
+              <a:t>Alojz Gomola</a:t>
+            </a:r>
+          </a:p>
+          <a:p>
+            <a:r>
+              <a:rPr lang="pt-PT" sz="1200" dirty="0"/>
+              <a:t>Tese de Doutoramento apresentada à</a:t>
+            </a:r>
+          </a:p>
+          <a:p>
+            <a:r>
+              <a:rPr lang="pt-PT" sz="1200" dirty="0"/>
+              <a:t>Faculdade de Ciências da Universidade do Porto, </a:t>
+            </a:r>
+          </a:p>
+          <a:p>
+            <a:r>
+              <a:rPr lang="pt-PT" sz="1200" dirty="0"/>
+              <a:t>Matemática Aplicada</a:t>
+            </a:r>
+          </a:p>
+          <a:p>
             <a:r>
               <a:rPr lang="pt-PT" sz="1800" dirty="0"/>
-              <a:t> </a:t>
-            </a:r>
-            <a:r>
-              <a:rPr lang="pt-PT" sz="1800" dirty="0" err="1"/>
-              <a:t>Plain</a:t>
-            </a:r>
-            <a:r>
-              <a:rPr lang="pt-PT" sz="1800" dirty="0"/>
-              <a:t>, </a:t>
-            </a:r>
-            <a:r>
-              <a:rPr lang="pt-PT" sz="1800" dirty="0" smtClean="0"/>
-              <a:t>18</a:t>
-            </a:r>
-          </a:p>
-          <a:p>
-            <a:r>
-              <a:rPr lang="pt-PT" sz="1200" dirty="0" smtClean="0"/>
-              <a:t>Tese de Doutoramento apresentada à</a:t>
-            </a:r>
-          </a:p>
-          <a:p>
-            <a:r>
-              <a:rPr lang="pt-PT" sz="1200" dirty="0" smtClean="0"/>
-              <a:t>Faculdade de Ciências da Universidade do Porto, Nome de </a:t>
-            </a:r>
-          </a:p>
-          <a:p>
-            <a:r>
-              <a:rPr lang="pt-PT" sz="1200" dirty="0" smtClean="0"/>
-              <a:t>outra instituição, </a:t>
-            </a:r>
-          </a:p>
-          <a:p>
-            <a:r>
-              <a:rPr lang="pt-PT" sz="1200" dirty="0" smtClean="0"/>
-              <a:t>Área Científica</a:t>
-            </a:r>
-          </a:p>
-          <a:p>
-            <a:r>
-              <a:rPr lang="pt-PT" sz="1800" dirty="0" smtClean="0"/>
-              <a:t>Ano</a:t>
-            </a:r>
-            <a:endParaRPr lang="pt-PT" sz="1800" dirty="0"/>
+              <a:t>2019</a:t>
+            </a:r>
           </a:p>
           <a:p>
             <a:endParaRPr lang="pt-PT" dirty="0"/>
@@ -4230,34 +4185,13 @@
           <a:p>
             <a:r>
               <a:rPr lang="pt-PT" sz="1100" b="1" dirty="0"/>
-              <a:t>Insira título da </a:t>
-            </a:r>
-            <a:r>
-              <a:rPr lang="pt-PT" sz="1100" b="1" dirty="0" smtClean="0"/>
-              <a:t>tese de doutoramento</a:t>
-            </a:r>
-            <a:endParaRPr lang="pt-PT" sz="1100" b="1" dirty="0"/>
+              <a:t>Obstacle Avoidance Framework </a:t>
+            </a:r>
           </a:p>
           <a:p>
             <a:r>
               <a:rPr lang="pt-PT" sz="1100" b="1" dirty="0"/>
-              <a:t>letra </a:t>
-            </a:r>
-            <a:r>
-              <a:rPr lang="pt-PT" sz="1100" b="1" dirty="0" err="1"/>
-              <a:t>Arial</a:t>
-            </a:r>
-            <a:r>
-              <a:rPr lang="pt-PT" sz="1100" b="1" dirty="0"/>
-              <a:t>, tamanho </a:t>
-            </a:r>
-            <a:r>
-              <a:rPr lang="pt-PT" sz="1100" b="1" dirty="0" smtClean="0"/>
-              <a:t>11, </a:t>
-            </a:r>
-            <a:r>
-              <a:rPr lang="pt-PT" sz="1100" b="1" dirty="0"/>
-              <a:t>justificado à esquerda</a:t>
+              <a:t>based on Reach Sets</a:t>
             </a:r>
             <a:endParaRPr lang="pt-PT" sz="1100" dirty="0"/>
           </a:p>
@@ -4271,8 +4205,8 @@
         </p:nvSpPr>
         <p:spPr>
           <a:xfrm rot="5400000">
-            <a:off x="6627322" y="8026965"/>
-            <a:ext cx="2304256" cy="400110"/>
+            <a:off x="6627322" y="8103909"/>
+            <a:ext cx="2304256" cy="246221"/>
           </a:xfrm>
           <a:prstGeom prst="rect">
             <a:avLst/>
@@ -4286,37 +4220,7 @@
           <a:p>
             <a:r>
               <a:rPr lang="pt-PT" sz="1000" b="1" dirty="0"/>
-              <a:t>Nome do Autor, letra </a:t>
-            </a:r>
-            <a:r>
-              <a:rPr lang="pt-PT" sz="1000" b="1" dirty="0" err="1"/>
-              <a:t>Arial</a:t>
-            </a:r>
-            <a:r>
-              <a:rPr lang="pt-PT" sz="1000" b="1" dirty="0"/>
-              <a:t> </a:t>
-            </a:r>
-            <a:r>
-              <a:rPr lang="pt-PT" sz="1000" b="1" dirty="0" err="1"/>
-              <a:t>Bold</a:t>
-            </a:r>
-            <a:r>
-              <a:rPr lang="pt-PT" sz="1000" b="1" dirty="0"/>
-              <a:t> </a:t>
-            </a:r>
-          </a:p>
-          <a:p>
-            <a:r>
-              <a:rPr lang="pt-PT" sz="1000" b="1" dirty="0"/>
-              <a:t>tamanho </a:t>
-            </a:r>
-            <a:r>
-              <a:rPr lang="pt-PT" sz="1000" b="1" dirty="0" smtClean="0"/>
-              <a:t>10, </a:t>
-            </a:r>
-            <a:r>
-              <a:rPr lang="pt-PT" sz="1000" b="1" dirty="0"/>
-              <a:t>justificado à esquerda</a:t>
+              <a:t>Alojz Gomola</a:t>
             </a:r>
             <a:endParaRPr lang="pt-PT" sz="1000" dirty="0"/>
           </a:p>
@@ -4412,7 +4316,7 @@
             <a:lstStyle/>
             <a:p>
               <a:r>
-                <a:rPr lang="pt-PT" sz="2400" dirty="0" err="1" smtClean="0"/>
+                <a:rPr lang="pt-PT" sz="2400" dirty="0" err="1"/>
                 <a:t>PhD</a:t>
               </a:r>
               <a:endParaRPr lang="pt-PT" sz="2400" dirty="0"/>
@@ -4491,29 +4395,29 @@
             <a:p>
               <a:pPr algn="ctr"/>
               <a:r>
-                <a:rPr lang="pt-PT" sz="1000" dirty="0" smtClean="0"/>
+                <a:rPr lang="pt-PT" sz="1000" dirty="0"/>
                 <a:t>FCUP</a:t>
               </a:r>
             </a:p>
             <a:p>
               <a:pPr algn="ctr"/>
               <a:r>
-                <a:rPr lang="pt-PT" sz="1000" dirty="0" smtClean="0"/>
-                <a:t>SIGLA 2</a:t>
+                <a:rPr lang="pt-PT" sz="1000" dirty="0"/>
+                <a:t>UM</a:t>
               </a:r>
             </a:p>
             <a:p>
               <a:pPr algn="ctr"/>
               <a:r>
-                <a:rPr lang="pt-PT" sz="1000" dirty="0" smtClean="0"/>
-                <a:t>SIGLA 3</a:t>
+                <a:rPr lang="pt-PT" sz="1000" dirty="0"/>
+                <a:t>UA</a:t>
               </a:r>
             </a:p>
             <a:p>
               <a:pPr algn="ctr"/>
               <a:r>
-                <a:rPr lang="pt-PT" sz="1000" dirty="0" smtClean="0"/>
-                <a:t>ANO</a:t>
+                <a:rPr lang="pt-PT" sz="1000" dirty="0"/>
+                <a:t>2019</a:t>
               </a:r>
             </a:p>
             <a:p>
@@ -4591,7 +4495,7 @@
             <a:p>
               <a:pPr algn="ctr"/>
               <a:r>
-                <a:rPr lang="pt-PT" sz="1000" b="1" dirty="0" smtClean="0">
+                <a:rPr lang="pt-PT" sz="1000" b="1" dirty="0">
                   <a:solidFill>
                     <a:srgbClr val="F8F8F8"/>
                   </a:solidFill>
@@ -4602,7 +4506,7 @@
             <a:p>
               <a:pPr algn="ctr"/>
               <a:r>
-                <a:rPr lang="pt-PT" sz="1000" b="1" dirty="0" smtClean="0">
+                <a:rPr lang="pt-PT" sz="1000" b="1" dirty="0">
                   <a:solidFill>
                     <a:srgbClr val="F8F8F8"/>
                   </a:solidFill>
@@ -4645,7 +4549,7 @@
               <a:defRPr/>
             </a:pPr>
             <a:r>
-              <a:rPr lang="pt-PT" sz="21500" dirty="0" smtClean="0">
+              <a:rPr lang="pt-PT" sz="21500" dirty="0">
                 <a:ln>
                   <a:solidFill>
                     <a:srgbClr val="6699FF"/>
@@ -4657,16 +4561,6 @@
               </a:rPr>
               <a:t>P</a:t>
             </a:r>
-            <a:endParaRPr lang="pt-PT" sz="21500" dirty="0">
-              <a:ln>
-                <a:solidFill>
-                  <a:srgbClr val="6699FF"/>
-                </a:solidFill>
-              </a:ln>
-              <a:noFill/>
-              <a:latin typeface="Arial" pitchFamily="34" charset="0"/>
-              <a:cs typeface="Arial" pitchFamily="34" charset="0"/>
-            </a:endParaRPr>
           </a:p>
         </p:txBody>
       </p:sp>
@@ -4702,7 +4596,7 @@
               <a:defRPr/>
             </a:pPr>
             <a:r>
-              <a:rPr lang="pt-PT" sz="21500" dirty="0" smtClean="0">
+              <a:rPr lang="pt-PT" sz="21500" dirty="0">
                 <a:solidFill>
                   <a:srgbClr val="93BFEB"/>
                 </a:solidFill>
@@ -4711,13 +4605,6 @@
               </a:rPr>
               <a:t>D</a:t>
             </a:r>
-            <a:endParaRPr lang="pt-PT" sz="21500" dirty="0">
-              <a:solidFill>
-                <a:srgbClr val="93BFEB"/>
-              </a:solidFill>
-              <a:latin typeface="Arial" pitchFamily="34" charset="0"/>
-              <a:cs typeface="Arial" pitchFamily="34" charset="0"/>
-            </a:endParaRPr>
           </a:p>
         </p:txBody>
       </p:sp>
@@ -4752,7 +4639,7 @@
               <a:defRPr/>
             </a:pPr>
             <a:r>
-              <a:rPr lang="pt-PT" sz="21500" dirty="0" smtClean="0">
+              <a:rPr lang="pt-PT" sz="21500" dirty="0">
                 <a:ln>
                   <a:solidFill>
                     <a:srgbClr val="6699FF"/>
@@ -4803,7 +4690,7 @@
               <a:defRPr/>
             </a:pPr>
             <a:r>
-              <a:rPr lang="pt-PT" sz="21500" dirty="0" smtClean="0">
+              <a:rPr lang="pt-PT" sz="21500" dirty="0">
                 <a:ln>
                   <a:solidFill>
                     <a:srgbClr val="6699FF"/>
@@ -4855,7 +4742,7 @@
               <a:defRPr/>
             </a:pPr>
             <a:r>
-              <a:rPr lang="pt-PT" sz="21500" dirty="0" smtClean="0">
+              <a:rPr lang="pt-PT" sz="21500" dirty="0">
                 <a:ln>
                   <a:solidFill>
                     <a:srgbClr val="6699FF"/>
@@ -4867,16 +4754,6 @@
               </a:rPr>
               <a:t>P</a:t>
             </a:r>
-            <a:endParaRPr lang="pt-PT" sz="21500" dirty="0">
-              <a:ln>
-                <a:solidFill>
-                  <a:srgbClr val="6699FF"/>
-                </a:solidFill>
-              </a:ln>
-              <a:noFill/>
-              <a:latin typeface="Arial" pitchFamily="34" charset="0"/>
-              <a:cs typeface="Arial" pitchFamily="34" charset="0"/>
-            </a:endParaRPr>
           </a:p>
         </p:txBody>
       </p:sp>
@@ -4911,7 +4788,7 @@
               <a:defRPr/>
             </a:pPr>
             <a:r>
-              <a:rPr lang="pt-PT" sz="21500" dirty="0" smtClean="0">
+              <a:rPr lang="pt-PT" sz="21500" dirty="0">
                 <a:ln>
                   <a:solidFill>
                     <a:srgbClr val="6699FF"/>
@@ -4966,7 +4843,7 @@
               <a:defRPr/>
             </a:pPr>
             <a:r>
-              <a:rPr lang="pt-PT" sz="21500" dirty="0" smtClean="0">
+              <a:rPr lang="pt-PT" sz="21500" dirty="0">
                 <a:solidFill>
                   <a:srgbClr val="93BFEB"/>
                 </a:solidFill>
@@ -4975,13 +4852,6 @@
               </a:rPr>
               <a:t>D</a:t>
             </a:r>
-            <a:endParaRPr lang="pt-PT" sz="21500" dirty="0">
-              <a:solidFill>
-                <a:srgbClr val="93BFEB"/>
-              </a:solidFill>
-              <a:latin typeface="Arial" pitchFamily="34" charset="0"/>
-              <a:cs typeface="Arial" pitchFamily="34" charset="0"/>
-            </a:endParaRPr>
           </a:p>
         </p:txBody>
       </p:sp>

--- a/CoverCDTitlePage/Cover.pptx
+++ b/CoverCDTitlePage/Cover.pptx
@@ -265,7 +265,7 @@
               <a:pPr>
                 <a:defRPr/>
               </a:pPr>
-              <a:t>13/12/2018</a:t>
+              <a:t>14/05/2019</a:t>
             </a:fld>
             <a:endParaRPr lang="pt-PT"/>
           </a:p>
@@ -776,7 +776,7 @@
               <a:pPr>
                 <a:defRPr/>
               </a:pPr>
-              <a:t>13/12/2018</a:t>
+              <a:t>14/05/2019</a:t>
             </a:fld>
             <a:endParaRPr lang="pt-PT"/>
           </a:p>
@@ -966,7 +966,7 @@
               <a:pPr>
                 <a:defRPr/>
               </a:pPr>
-              <a:t>13/12/2018</a:t>
+              <a:t>14/05/2019</a:t>
             </a:fld>
             <a:endParaRPr lang="pt-PT"/>
           </a:p>
@@ -1166,7 +1166,7 @@
               <a:pPr>
                 <a:defRPr/>
               </a:pPr>
-              <a:t>13/12/2018</a:t>
+              <a:t>14/05/2019</a:t>
             </a:fld>
             <a:endParaRPr lang="pt-PT"/>
           </a:p>
@@ -1356,7 +1356,7 @@
               <a:pPr>
                 <a:defRPr/>
               </a:pPr>
-              <a:t>13/12/2018</a:t>
+              <a:t>14/05/2019</a:t>
             </a:fld>
             <a:endParaRPr lang="pt-PT"/>
           </a:p>
@@ -1623,7 +1623,7 @@
               <a:pPr>
                 <a:defRPr/>
               </a:pPr>
-              <a:t>13/12/2018</a:t>
+              <a:t>14/05/2019</a:t>
             </a:fld>
             <a:endParaRPr lang="pt-PT"/>
           </a:p>
@@ -1930,7 +1930,7 @@
               <a:pPr>
                 <a:defRPr/>
               </a:pPr>
-              <a:t>13/12/2018</a:t>
+              <a:t>14/05/2019</a:t>
             </a:fld>
             <a:endParaRPr lang="pt-PT"/>
           </a:p>
@@ -2376,7 +2376,7 @@
               <a:pPr>
                 <a:defRPr/>
               </a:pPr>
-              <a:t>13/12/2018</a:t>
+              <a:t>14/05/2019</a:t>
             </a:fld>
             <a:endParaRPr lang="pt-PT"/>
           </a:p>
@@ -2515,7 +2515,7 @@
               <a:pPr>
                 <a:defRPr/>
               </a:pPr>
-              <a:t>13/12/2018</a:t>
+              <a:t>14/05/2019</a:t>
             </a:fld>
             <a:endParaRPr lang="pt-PT"/>
           </a:p>
@@ -2632,7 +2632,7 @@
               <a:pPr>
                 <a:defRPr/>
               </a:pPr>
-              <a:t>13/12/2018</a:t>
+              <a:t>14/05/2019</a:t>
             </a:fld>
             <a:endParaRPr lang="pt-PT"/>
           </a:p>
@@ -2929,7 +2929,7 @@
               <a:pPr>
                 <a:defRPr/>
               </a:pPr>
-              <a:t>13/12/2018</a:t>
+              <a:t>14/05/2019</a:t>
             </a:fld>
             <a:endParaRPr lang="pt-PT"/>
           </a:p>
@@ -3209,7 +3209,7 @@
               <a:pPr>
                 <a:defRPr/>
               </a:pPr>
-              <a:t>13/12/2018</a:t>
+              <a:t>14/05/2019</a:t>
             </a:fld>
             <a:endParaRPr lang="pt-PT"/>
           </a:p>
@@ -3465,7 +3465,7 @@
               <a:pPr>
                 <a:defRPr/>
               </a:pPr>
-              <a:t>13/12/2018</a:t>
+              <a:t>14/05/2019</a:t>
             </a:fld>
             <a:endParaRPr lang="pt-PT"/>
           </a:p>
@@ -4073,7 +4073,7 @@
         <p:spPr>
           <a:xfrm>
             <a:off x="8713762" y="4122564"/>
-            <a:ext cx="4842297" cy="6324808"/>
+            <a:ext cx="4842297" cy="6355586"/>
           </a:xfrm>
           <a:prstGeom prst="rect">
             <a:avLst/>
@@ -4105,23 +4105,22 @@
           <a:p>
             <a:r>
               <a:rPr lang="pt-PT" sz="4000" b="1" dirty="0"/>
-              <a:t> </a:t>
-            </a:r>
-          </a:p>
-          <a:p>
-            <a:r>
-              <a:rPr lang="pt-PT" sz="4000" b="1" dirty="0"/>
               <a:t>based on</a:t>
             </a:r>
-          </a:p>
-          <a:p>
-            <a:endParaRPr lang="pt-PT" sz="4000" b="1" dirty="0"/>
           </a:p>
           <a:p>
             <a:r>
               <a:rPr lang="pt-PT" sz="4000" b="1" dirty="0"/>
               <a:t>Reach Sets</a:t>
             </a:r>
+          </a:p>
+          <a:p>
+            <a:endParaRPr lang="pt-PT" sz="4000" b="1" dirty="0"/>
+          </a:p>
+          <a:p>
+            <a:endParaRPr lang="pt-PT" sz="4000" b="1" dirty="0"/>
+          </a:p>
+          <a:p>
             <a:endParaRPr lang="pt-PT" sz="1400" dirty="0"/>
           </a:p>
           <a:p>
